--- a/images/disease-maps-logo.pptx
+++ b/images/disease-maps-logo.pptx
@@ -5,16 +5,17 @@
     <p:sldMasterId id="2147483648" r:id="rId1"/>
   </p:sldMasterIdLst>
   <p:notesMasterIdLst>
-    <p:notesMasterId r:id="rId6"/>
+    <p:notesMasterId r:id="rId7"/>
   </p:notesMasterIdLst>
   <p:handoutMasterIdLst>
-    <p:handoutMasterId r:id="rId7"/>
+    <p:handoutMasterId r:id="rId8"/>
   </p:handoutMasterIdLst>
   <p:sldIdLst>
-    <p:sldId id="751" r:id="rId2"/>
-    <p:sldId id="840" r:id="rId3"/>
-    <p:sldId id="838" r:id="rId4"/>
-    <p:sldId id="847" r:id="rId5"/>
+    <p:sldId id="840" r:id="rId2"/>
+    <p:sldId id="849" r:id="rId3"/>
+    <p:sldId id="751" r:id="rId4"/>
+    <p:sldId id="838" r:id="rId5"/>
+    <p:sldId id="847" r:id="rId6"/>
   </p:sldIdLst>
   <p:sldSz cx="9144000" cy="6858000" type="screen4x3"/>
   <p:notesSz cx="6858000" cy="9144000"/>
@@ -215,7 +216,7 @@
             <a:fld id="{50DF2193-D683-6D47-85B7-2C4ED81F46DC}" type="datetimeFigureOut">
               <a:rPr lang="fr-FR" smtClean="0"/>
               <a:pPr/>
-              <a:t>11/06/2018</a:t>
+              <a:t>19/03/2020</a:t>
             </a:fld>
             <a:endParaRPr lang="fr-FR"/>
           </a:p>
@@ -383,7 +384,7 @@
             <a:fld id="{35A4AC24-A40A-B84F-A48A-6D28129B9240}" type="datetimeFigureOut">
               <a:rPr lang="fr-FR" smtClean="0"/>
               <a:pPr/>
-              <a:t>11/06/2018</a:t>
+              <a:t>19/03/2020</a:t>
             </a:fld>
             <a:endParaRPr lang="fr-FR"/>
           </a:p>
@@ -449,38 +450,37 @@
           <a:p>
             <a:pPr lvl="0"/>
             <a:r>
-              <a:rPr lang="fr-FR" smtClean="0"/>
+              <a:rPr lang="fr-FR"/>
               <a:t>Cliquez pour modifier les styles du texte du masque</a:t>
             </a:r>
           </a:p>
           <a:p>
             <a:pPr lvl="1"/>
             <a:r>
-              <a:rPr lang="fr-FR" smtClean="0"/>
+              <a:rPr lang="fr-FR"/>
               <a:t>Deuxième niveau</a:t>
             </a:r>
           </a:p>
           <a:p>
             <a:pPr lvl="2"/>
             <a:r>
-              <a:rPr lang="fr-FR" smtClean="0"/>
+              <a:rPr lang="fr-FR"/>
               <a:t>Troisième niveau</a:t>
             </a:r>
           </a:p>
           <a:p>
             <a:pPr lvl="3"/>
             <a:r>
-              <a:rPr lang="fr-FR" smtClean="0"/>
+              <a:rPr lang="fr-FR"/>
               <a:t>Quatrième niveau</a:t>
             </a:r>
           </a:p>
           <a:p>
             <a:pPr lvl="4"/>
             <a:r>
-              <a:rPr lang="fr-FR" smtClean="0"/>
+              <a:rPr lang="fr-FR"/>
               <a:t>Cinquième niveau</a:t>
             </a:r>
-            <a:endParaRPr lang="fr-FR"/>
           </a:p>
         </p:txBody>
       </p:sp>
@@ -700,11 +700,11 @@
           <a:lstStyle/>
           <a:p>
             <a:r>
-              <a:rPr lang="en-GB" dirty="0" smtClean="0"/>
+              <a:rPr lang="en-GB" dirty="0"/>
               <a:t>Order</a:t>
             </a:r>
             <a:r>
-              <a:rPr lang="en-GB" baseline="0" dirty="0" smtClean="0"/>
+              <a:rPr lang="en-GB" baseline="0" dirty="0"/>
               <a:t> should be as in previous slides</a:t>
             </a:r>
             <a:endParaRPr lang="en-GB" dirty="0"/>
@@ -729,7 +729,7 @@
             <a:fld id="{97721230-5382-C540-9D07-020B578DFA17}" type="slidenum">
               <a:rPr lang="fr-FR" smtClean="0"/>
               <a:pPr/>
-              <a:t>1</a:t>
+              <a:t>3</a:t>
             </a:fld>
             <a:endParaRPr lang="fr-FR"/>
           </a:p>
@@ -787,10 +787,9 @@
           </a:lstStyle>
           <a:p>
             <a:r>
-              <a:rPr lang="fr-FR" dirty="0" smtClean="0"/>
+              <a:rPr lang="fr-FR" dirty="0"/>
               <a:t>Cliquez et modifiez le titre</a:t>
             </a:r>
-            <a:endParaRPr lang="fr-FR" dirty="0"/>
           </a:p>
         </p:txBody>
       </p:sp>
@@ -843,17 +842,16 @@
           <a:p>
             <a:pPr lvl="0"/>
             <a:r>
-              <a:rPr lang="fr-FR" dirty="0" smtClean="0"/>
+              <a:rPr lang="fr-FR" dirty="0"/>
               <a:t>Cliquez pour modifier les styles du texte du masque</a:t>
             </a:r>
           </a:p>
           <a:p>
             <a:pPr lvl="1"/>
             <a:r>
-              <a:rPr lang="fr-FR" dirty="0" smtClean="0"/>
+              <a:rPr lang="fr-FR" dirty="0"/>
               <a:t>Deuxième niveau</a:t>
             </a:r>
-            <a:endParaRPr lang="fr-FR" dirty="0"/>
           </a:p>
         </p:txBody>
       </p:sp>
@@ -904,13 +902,6 @@
   <p:clrMapOvr>
     <a:masterClrMapping/>
   </p:clrMapOvr>
-  <p:timing>
-    <p:tnLst>
-      <p:par>
-        <p:cTn id="1" dur="indefinite" restart="never" nodeType="tmRoot"/>
-      </p:par>
-    </p:tnLst>
-  </p:timing>
 </p:sldLayout>
 </file>
 
@@ -953,10 +944,9 @@
           </a:lstStyle>
           <a:p>
             <a:r>
-              <a:rPr lang="fr-FR" dirty="0" smtClean="0"/>
+              <a:rPr lang="fr-FR" dirty="0"/>
               <a:t>Cliquez et modifiez le titre</a:t>
             </a:r>
-            <a:endParaRPr lang="fr-FR" dirty="0"/>
           </a:p>
         </p:txBody>
       </p:sp>
@@ -1030,17 +1020,16 @@
           <a:p>
             <a:pPr lvl="0"/>
             <a:r>
-              <a:rPr lang="fr-FR" dirty="0" smtClean="0"/>
+              <a:rPr lang="fr-FR" dirty="0"/>
               <a:t>Cliquez pour modifier les styles du texte du masque</a:t>
             </a:r>
           </a:p>
           <a:p>
             <a:pPr lvl="1"/>
             <a:r>
-              <a:rPr lang="fr-FR" dirty="0" smtClean="0"/>
+              <a:rPr lang="fr-FR" dirty="0"/>
               <a:t>Deuxième niveau</a:t>
             </a:r>
-            <a:endParaRPr lang="fr-FR" dirty="0"/>
           </a:p>
         </p:txBody>
       </p:sp>
@@ -1112,17 +1101,16 @@
           <a:p>
             <a:pPr lvl="0"/>
             <a:r>
-              <a:rPr lang="fr-FR" dirty="0" smtClean="0"/>
+              <a:rPr lang="fr-FR" dirty="0"/>
               <a:t>Cliquez pour modifier les styles du texte du masque</a:t>
             </a:r>
           </a:p>
           <a:p>
             <a:pPr lvl="1"/>
             <a:r>
-              <a:rPr lang="fr-FR" dirty="0" smtClean="0"/>
+              <a:rPr lang="fr-FR" dirty="0"/>
               <a:t>Deuxième niveau</a:t>
             </a:r>
-            <a:endParaRPr lang="fr-FR" dirty="0"/>
           </a:p>
         </p:txBody>
       </p:sp>
@@ -1209,7 +1197,7 @@
           <a:lstStyle/>
           <a:p>
             <a:r>
-              <a:rPr lang="en-US" smtClean="0"/>
+              <a:rPr lang="en-US"/>
               <a:t>Click to edit Master title style</a:t>
             </a:r>
             <a:endParaRPr lang="en-GB"/>
@@ -1694,10 +1682,9 @@
           </a:lstStyle>
           <a:p>
             <a:r>
-              <a:rPr lang="fr-FR" dirty="0" smtClean="0"/>
+              <a:rPr lang="fr-FR" dirty="0"/>
               <a:t>Cliquez et modifiez le titre</a:t>
             </a:r>
-            <a:endParaRPr lang="fr-FR" dirty="0"/>
           </a:p>
         </p:txBody>
       </p:sp>
@@ -1815,10 +1802,9 @@
           </a:lstStyle>
           <a:p>
             <a:r>
-              <a:rPr lang="fr-FR" dirty="0" smtClean="0"/>
+              <a:rPr lang="fr-FR" dirty="0"/>
               <a:t>Cliquez pour modifier le style des sous-titres du masque</a:t>
             </a:r>
-            <a:endParaRPr lang="fr-FR" dirty="0"/>
           </a:p>
         </p:txBody>
       </p:sp>
@@ -1991,10 +1977,9 @@
           <a:lstStyle/>
           <a:p>
             <a:r>
-              <a:rPr lang="fr-FR" dirty="0" smtClean="0"/>
+              <a:rPr lang="fr-FR" dirty="0"/>
               <a:t>Cliquez et modifiez le titre</a:t>
             </a:r>
-            <a:endParaRPr lang="fr-FR" dirty="0"/>
           </a:p>
         </p:txBody>
       </p:sp>
@@ -2025,17 +2010,16 @@
           <a:p>
             <a:pPr lvl="0"/>
             <a:r>
-              <a:rPr lang="fr-FR" dirty="0" smtClean="0"/>
+              <a:rPr lang="fr-FR" dirty="0"/>
               <a:t>Cliquez pour modifier les styles du texte du masque</a:t>
             </a:r>
           </a:p>
           <a:p>
             <a:pPr lvl="1"/>
             <a:r>
-              <a:rPr lang="fr-FR" dirty="0" smtClean="0"/>
+              <a:rPr lang="fr-FR" dirty="0"/>
               <a:t>Deuxième niveau</a:t>
             </a:r>
-            <a:endParaRPr lang="fr-FR" dirty="0"/>
           </a:p>
         </p:txBody>
       </p:sp>
@@ -2130,13 +2114,6 @@
     <p:sldLayoutId id="2147483657" r:id="rId7"/>
     <p:sldLayoutId id="2147483649" r:id="rId8"/>
   </p:sldLayoutIdLst>
-  <p:timing>
-    <p:tnLst>
-      <p:par>
-        <p:cTn id="1" dur="indefinite" restart="never" nodeType="tmRoot"/>
-      </p:par>
-    </p:tnLst>
-  </p:timing>
   <p:hf hdr="0" ftr="0" dt="0"/>
   <p:txStyles>
     <p:titleStyle>
@@ -2417,203 +2394,6 @@
           <a:chExt cx="0" cy="0"/>
         </a:xfrm>
       </p:grpSpPr>
-      <p:sp>
-        <p:nvSpPr>
-          <p:cNvPr id="6" name="TextBox 5"/>
-          <p:cNvSpPr txBox="1"/>
-          <p:nvPr/>
-        </p:nvSpPr>
-        <p:spPr>
-          <a:xfrm>
-            <a:off x="2898985" y="1319863"/>
-            <a:ext cx="3643946" cy="1107996"/>
-          </a:xfrm>
-          <a:prstGeom prst="rect">
-            <a:avLst/>
-          </a:prstGeom>
-          <a:noFill/>
-        </p:spPr>
-        <p:txBody>
-          <a:bodyPr wrap="none" rtlCol="0">
-            <a:spAutoFit/>
-          </a:bodyPr>
-          <a:lstStyle/>
-          <a:p>
-            <a:r>
-              <a:rPr lang="en-US" sz="6600" b="1" dirty="0" smtClean="0">
-                <a:solidFill>
-                  <a:srgbClr val="9CB1C7"/>
-                </a:solidFill>
-                <a:latin typeface="Georgia" charset="0"/>
-                <a:ea typeface="Georgia" charset="0"/>
-                <a:cs typeface="Georgia" charset="0"/>
-              </a:rPr>
-              <a:t>systems</a:t>
-            </a:r>
-          </a:p>
-        </p:txBody>
-      </p:sp>
-      <p:sp>
-        <p:nvSpPr>
-          <p:cNvPr id="7" name="TextBox 6"/>
-          <p:cNvSpPr txBox="1"/>
-          <p:nvPr/>
-        </p:nvSpPr>
-        <p:spPr>
-          <a:xfrm>
-            <a:off x="2898985" y="2183959"/>
-            <a:ext cx="3717684" cy="984885"/>
-          </a:xfrm>
-          <a:prstGeom prst="rect">
-            <a:avLst/>
-          </a:prstGeom>
-          <a:noFill/>
-        </p:spPr>
-        <p:txBody>
-          <a:bodyPr wrap="none" rtlCol="0">
-            <a:spAutoFit/>
-          </a:bodyPr>
-          <a:lstStyle/>
-          <a:p>
-            <a:r>
-              <a:rPr lang="en-US" sz="5700" b="1" smtClean="0">
-                <a:solidFill>
-                  <a:srgbClr val="9CB1C7"/>
-                </a:solidFill>
-                <a:latin typeface="Georgia" charset="0"/>
-                <a:ea typeface="Georgia" charset="0"/>
-                <a:cs typeface="Georgia" charset="0"/>
-              </a:rPr>
-              <a:t>medicine</a:t>
-            </a:r>
-            <a:endParaRPr lang="en-US" sz="5700" b="1" dirty="0" smtClean="0">
-              <a:solidFill>
-                <a:srgbClr val="9CB1C7"/>
-              </a:solidFill>
-              <a:latin typeface="Georgia" charset="0"/>
-              <a:ea typeface="Georgia" charset="0"/>
-              <a:cs typeface="Georgia" charset="0"/>
-            </a:endParaRPr>
-          </a:p>
-        </p:txBody>
-      </p:sp>
-      <p:sp>
-        <p:nvSpPr>
-          <p:cNvPr id="8" name="TextBox 7"/>
-          <p:cNvSpPr txBox="1"/>
-          <p:nvPr/>
-        </p:nvSpPr>
-        <p:spPr>
-          <a:xfrm>
-            <a:off x="2920625" y="2904039"/>
-            <a:ext cx="3674404" cy="1200329"/>
-          </a:xfrm>
-          <a:prstGeom prst="rect">
-            <a:avLst/>
-          </a:prstGeom>
-          <a:noFill/>
-        </p:spPr>
-        <p:txBody>
-          <a:bodyPr wrap="none" rtlCol="0">
-            <a:spAutoFit/>
-          </a:bodyPr>
-          <a:lstStyle/>
-          <a:p>
-            <a:r>
-              <a:rPr lang="en-US" sz="7200" b="1" dirty="0" smtClean="0">
-                <a:solidFill>
-                  <a:schemeClr val="bg1"/>
-                </a:solidFill>
-                <a:latin typeface="Georgia" charset="0"/>
-                <a:ea typeface="Georgia" charset="0"/>
-                <a:cs typeface="Georgia" charset="0"/>
-              </a:rPr>
-              <a:t>disease</a:t>
-            </a:r>
-          </a:p>
-        </p:txBody>
-      </p:sp>
-      <p:sp>
-        <p:nvSpPr>
-          <p:cNvPr id="9" name="TextBox 8"/>
-          <p:cNvSpPr txBox="1"/>
-          <p:nvPr/>
-        </p:nvSpPr>
-        <p:spPr>
-          <a:xfrm>
-            <a:off x="2915816" y="3645024"/>
-            <a:ext cx="3752950" cy="1631216"/>
-          </a:xfrm>
-          <a:prstGeom prst="rect">
-            <a:avLst/>
-          </a:prstGeom>
-          <a:noFill/>
-        </p:spPr>
-        <p:txBody>
-          <a:bodyPr wrap="none" rtlCol="0">
-            <a:spAutoFit/>
-          </a:bodyPr>
-          <a:lstStyle/>
-          <a:p>
-            <a:r>
-              <a:rPr lang="en-US" sz="9800" b="1" dirty="0" smtClean="0">
-                <a:solidFill>
-                  <a:schemeClr val="bg1"/>
-                </a:solidFill>
-                <a:latin typeface="Georgia" charset="0"/>
-                <a:ea typeface="Georgia" charset="0"/>
-                <a:cs typeface="Georgia" charset="0"/>
-              </a:rPr>
-              <a:t>maps</a:t>
-            </a:r>
-            <a:endParaRPr lang="en-US" sz="9800" b="1" baseline="30000" dirty="0">
-              <a:solidFill>
-                <a:srgbClr val="9CB1C7"/>
-              </a:solidFill>
-              <a:latin typeface="Georgia" charset="0"/>
-              <a:ea typeface="Georgia" charset="0"/>
-              <a:cs typeface="Georgia" charset="0"/>
-            </a:endParaRPr>
-          </a:p>
-        </p:txBody>
-      </p:sp>
-    </p:spTree>
-    <p:extLst>
-      <p:ext uri="{BB962C8B-B14F-4D97-AF65-F5344CB8AC3E}">
-        <p14:creationId xmlns:p14="http://schemas.microsoft.com/office/powerpoint/2010/main" val="963363763"/>
-      </p:ext>
-    </p:extLst>
-  </p:cSld>
-  <p:clrMapOvr>
-    <a:masterClrMapping/>
-  </p:clrMapOvr>
-  <p:timing>
-    <p:tnLst>
-      <p:par>
-        <p:cTn id="1" dur="indefinite" restart="never" nodeType="tmRoot"/>
-      </p:par>
-    </p:tnLst>
-  </p:timing>
-</p:sld>
-</file>
-
-<file path=ppt/slides/slide2.xml><?xml version="1.0" encoding="utf-8"?>
-<p:sld xmlns:a="http://schemas.openxmlformats.org/drawingml/2006/main" xmlns:r="http://schemas.openxmlformats.org/officeDocument/2006/relationships" xmlns:p="http://schemas.openxmlformats.org/presentationml/2006/main">
-  <p:cSld>
-    <p:spTree>
-      <p:nvGrpSpPr>
-        <p:cNvPr id="1" name=""/>
-        <p:cNvGrpSpPr/>
-        <p:nvPr/>
-      </p:nvGrpSpPr>
-      <p:grpSpPr>
-        <a:xfrm>
-          <a:off x="0" y="0"/>
-          <a:ext cx="0" cy="0"/>
-          <a:chOff x="0" y="0"/>
-          <a:chExt cx="0" cy="0"/>
-        </a:xfrm>
-      </p:grpSpPr>
       <p:grpSp>
         <p:nvGrpSpPr>
           <p:cNvPr id="6" name="Group 5"/>
@@ -2651,7 +2431,7 @@
             <a:lstStyle/>
             <a:p>
               <a:r>
-                <a:rPr lang="en-US" sz="7200" b="1" dirty="0" smtClean="0">
+                <a:rPr lang="en-US" sz="7200" b="1" dirty="0">
                   <a:solidFill>
                     <a:srgbClr val="9CB1C7"/>
                   </a:solidFill>
@@ -2687,7 +2467,7 @@
             <a:lstStyle/>
             <a:p>
               <a:r>
-                <a:rPr lang="en-US" sz="7200" b="1" dirty="0" smtClean="0">
+                <a:rPr lang="en-US" sz="7200" b="1" dirty="0">
                   <a:solidFill>
                     <a:srgbClr val="9CB1C7"/>
                   </a:solidFill>
@@ -2723,7 +2503,7 @@
             <a:lstStyle/>
             <a:p>
               <a:r>
-                <a:rPr lang="en-US" sz="7200" b="1" dirty="0" smtClean="0">
+                <a:rPr lang="en-US" sz="7200" b="1" dirty="0">
                   <a:solidFill>
                     <a:srgbClr val="2E5287"/>
                   </a:solidFill>
@@ -2759,7 +2539,7 @@
             <a:lstStyle/>
             <a:p>
               <a:r>
-                <a:rPr lang="en-US" sz="7200" b="1" dirty="0" smtClean="0">
+                <a:rPr lang="en-US" sz="7200" b="1" dirty="0">
                   <a:solidFill>
                     <a:srgbClr val="2E5287"/>
                   </a:solidFill>
@@ -2794,7 +2574,312 @@
 </p:sld>
 </file>
 
+<file path=ppt/slides/slide2.xml><?xml version="1.0" encoding="utf-8"?>
+<p:sld xmlns:a="http://schemas.openxmlformats.org/drawingml/2006/main" xmlns:r="http://schemas.openxmlformats.org/officeDocument/2006/relationships" xmlns:p="http://schemas.openxmlformats.org/presentationml/2006/main">
+  <p:cSld>
+    <p:spTree>
+      <p:nvGrpSpPr>
+        <p:cNvPr id="1" name=""/>
+        <p:cNvGrpSpPr/>
+        <p:nvPr/>
+      </p:nvGrpSpPr>
+      <p:grpSpPr>
+        <a:xfrm>
+          <a:off x="0" y="0"/>
+          <a:ext cx="0" cy="0"/>
+          <a:chOff x="0" y="0"/>
+          <a:chExt cx="0" cy="0"/>
+        </a:xfrm>
+      </p:grpSpPr>
+      <p:grpSp>
+        <p:nvGrpSpPr>
+          <p:cNvPr id="8" name="Group 7">
+            <a:extLst>
+              <a:ext uri="{FF2B5EF4-FFF2-40B4-BE49-F238E27FC236}">
+                <a16:creationId xmlns:a16="http://schemas.microsoft.com/office/drawing/2014/main" id="{FABDDBE1-6CE2-B24D-8D02-AA2D57F5884E}"/>
+              </a:ext>
+            </a:extLst>
+          </p:cNvPr>
+          <p:cNvGrpSpPr/>
+          <p:nvPr/>
+        </p:nvGrpSpPr>
+        <p:grpSpPr>
+          <a:xfrm>
+            <a:off x="179512" y="2450797"/>
+            <a:ext cx="8568952" cy="1956405"/>
+            <a:chOff x="179512" y="2450797"/>
+            <a:chExt cx="8568952" cy="1956405"/>
+          </a:xfrm>
+        </p:grpSpPr>
+        <p:grpSp>
+          <p:nvGrpSpPr>
+            <p:cNvPr id="6" name="Group 5"/>
+            <p:cNvGrpSpPr/>
+            <p:nvPr/>
+          </p:nvGrpSpPr>
+          <p:grpSpPr>
+            <a:xfrm>
+              <a:off x="179512" y="2450797"/>
+              <a:ext cx="8568952" cy="1956405"/>
+              <a:chOff x="51487" y="1220667"/>
+              <a:chExt cx="8568952" cy="1956405"/>
+            </a:xfrm>
+          </p:grpSpPr>
+          <p:sp>
+            <p:nvSpPr>
+              <p:cNvPr id="2" name="TextBox 1"/>
+              <p:cNvSpPr txBox="1"/>
+              <p:nvPr/>
+            </p:nvSpPr>
+            <p:spPr>
+              <a:xfrm>
+                <a:off x="52346" y="1220667"/>
+                <a:ext cx="4569623" cy="1200329"/>
+              </a:xfrm>
+              <a:prstGeom prst="rect">
+                <a:avLst/>
+              </a:prstGeom>
+              <a:noFill/>
+            </p:spPr>
+            <p:txBody>
+              <a:bodyPr wrap="square" rtlCol="0">
+                <a:spAutoFit/>
+              </a:bodyPr>
+              <a:lstStyle/>
+              <a:p>
+                <a:pPr algn="r"/>
+                <a:r>
+                  <a:rPr lang="en-US" sz="7200" b="1" dirty="0">
+                    <a:solidFill>
+                      <a:srgbClr val="9CB1C7"/>
+                    </a:solidFill>
+                    <a:latin typeface="Georgia" charset="0"/>
+                    <a:ea typeface="Georgia" charset="0"/>
+                    <a:cs typeface="Georgia" charset="0"/>
+                  </a:rPr>
+                  <a:t>systems</a:t>
+                </a:r>
+              </a:p>
+            </p:txBody>
+          </p:sp>
+          <p:sp>
+            <p:nvSpPr>
+              <p:cNvPr id="3" name="TextBox 2"/>
+              <p:cNvSpPr txBox="1"/>
+              <p:nvPr/>
+            </p:nvSpPr>
+            <p:spPr>
+              <a:xfrm>
+                <a:off x="51487" y="1976743"/>
+                <a:ext cx="4570482" cy="1200329"/>
+              </a:xfrm>
+              <a:prstGeom prst="rect">
+                <a:avLst/>
+              </a:prstGeom>
+              <a:noFill/>
+            </p:spPr>
+            <p:txBody>
+              <a:bodyPr wrap="none" rtlCol="0">
+                <a:spAutoFit/>
+              </a:bodyPr>
+              <a:lstStyle/>
+              <a:p>
+                <a:pPr algn="r"/>
+                <a:r>
+                  <a:rPr lang="en-US" sz="7200" b="1" dirty="0">
+                    <a:solidFill>
+                      <a:srgbClr val="9CB1C7"/>
+                    </a:solidFill>
+                    <a:latin typeface="Georgia" charset="0"/>
+                    <a:ea typeface="Georgia" charset="0"/>
+                    <a:cs typeface="Georgia" charset="0"/>
+                  </a:rPr>
+                  <a:t>medicine</a:t>
+                </a:r>
+              </a:p>
+            </p:txBody>
+          </p:sp>
+          <p:sp>
+            <p:nvSpPr>
+              <p:cNvPr id="4" name="TextBox 3"/>
+              <p:cNvSpPr txBox="1"/>
+              <p:nvPr/>
+            </p:nvSpPr>
+            <p:spPr>
+              <a:xfrm>
+                <a:off x="4946035" y="1220667"/>
+                <a:ext cx="3674404" cy="1200329"/>
+              </a:xfrm>
+              <a:prstGeom prst="rect">
+                <a:avLst/>
+              </a:prstGeom>
+              <a:noFill/>
+            </p:spPr>
+            <p:txBody>
+              <a:bodyPr wrap="none" rtlCol="0">
+                <a:spAutoFit/>
+              </a:bodyPr>
+              <a:lstStyle/>
+              <a:p>
+                <a:r>
+                  <a:rPr lang="en-US" sz="7200" b="1" dirty="0">
+                    <a:solidFill>
+                      <a:srgbClr val="2E5287"/>
+                    </a:solidFill>
+                    <a:latin typeface="Georgia" charset="0"/>
+                    <a:ea typeface="Georgia" charset="0"/>
+                    <a:cs typeface="Georgia" charset="0"/>
+                  </a:rPr>
+                  <a:t>disease</a:t>
+                </a:r>
+              </a:p>
+            </p:txBody>
+          </p:sp>
+          <p:sp>
+            <p:nvSpPr>
+              <p:cNvPr id="5" name="TextBox 4"/>
+              <p:cNvSpPr txBox="1"/>
+              <p:nvPr/>
+            </p:nvSpPr>
+            <p:spPr>
+              <a:xfrm>
+                <a:off x="4946035" y="1976743"/>
+                <a:ext cx="2752677" cy="1200329"/>
+              </a:xfrm>
+              <a:prstGeom prst="rect">
+                <a:avLst/>
+              </a:prstGeom>
+              <a:noFill/>
+            </p:spPr>
+            <p:txBody>
+              <a:bodyPr wrap="none" rtlCol="0">
+                <a:spAutoFit/>
+              </a:bodyPr>
+              <a:lstStyle/>
+              <a:p>
+                <a:r>
+                  <a:rPr lang="en-US" sz="7200" b="1" dirty="0">
+                    <a:solidFill>
+                      <a:srgbClr val="2E5287"/>
+                    </a:solidFill>
+                    <a:latin typeface="Georgia" charset="0"/>
+                    <a:ea typeface="Georgia" charset="0"/>
+                    <a:cs typeface="Georgia" charset="0"/>
+                  </a:rPr>
+                  <a:t>maps</a:t>
+                </a:r>
+                <a:endParaRPr lang="en-US" sz="7200" b="1" baseline="30000" dirty="0">
+                  <a:solidFill>
+                    <a:srgbClr val="2E5287"/>
+                  </a:solidFill>
+                  <a:latin typeface="Georgia" charset="0"/>
+                  <a:ea typeface="Georgia" charset="0"/>
+                  <a:cs typeface="Georgia" charset="0"/>
+                </a:endParaRPr>
+              </a:p>
+            </p:txBody>
+          </p:sp>
+        </p:grpSp>
+        <p:sp>
+          <p:nvSpPr>
+            <p:cNvPr id="7" name="Rounded Rectangle 6">
+              <a:extLst>
+                <a:ext uri="{FF2B5EF4-FFF2-40B4-BE49-F238E27FC236}">
+                  <a16:creationId xmlns:a16="http://schemas.microsoft.com/office/drawing/2014/main" id="{E011D689-5EDC-C245-8B43-896E40C48E94}"/>
+                </a:ext>
+              </a:extLst>
+            </p:cNvPr>
+            <p:cNvSpPr/>
+            <p:nvPr/>
+          </p:nvSpPr>
+          <p:spPr>
+            <a:xfrm>
+              <a:off x="4885016" y="2708920"/>
+              <a:ext cx="72008" cy="1584176"/>
+            </a:xfrm>
+            <a:prstGeom prst="roundRect">
+              <a:avLst>
+                <a:gd name="adj" fmla="val 47427"/>
+              </a:avLst>
+            </a:prstGeom>
+            <a:solidFill>
+              <a:srgbClr val="9CB1C7"/>
+            </a:solidFill>
+            <a:ln>
+              <a:solidFill>
+                <a:srgbClr val="9CB1C7"/>
+              </a:solidFill>
+            </a:ln>
+            <a:effectLst/>
+          </p:spPr>
+          <p:style>
+            <a:lnRef idx="1">
+              <a:schemeClr val="accent1"/>
+            </a:lnRef>
+            <a:fillRef idx="3">
+              <a:schemeClr val="accent1"/>
+            </a:fillRef>
+            <a:effectRef idx="2">
+              <a:schemeClr val="accent1"/>
+            </a:effectRef>
+            <a:fontRef idx="minor">
+              <a:schemeClr val="lt1"/>
+            </a:fontRef>
+          </p:style>
+          <p:txBody>
+            <a:bodyPr rtlCol="0" anchor="ctr"/>
+            <a:lstStyle/>
+            <a:p>
+              <a:pPr algn="ctr"/>
+              <a:endParaRPr lang="ru-RU" dirty="0"/>
+            </a:p>
+          </p:txBody>
+        </p:sp>
+      </p:grpSp>
+    </p:spTree>
+    <p:extLst>
+      <p:ext uri="{BB962C8B-B14F-4D97-AF65-F5344CB8AC3E}">
+        <p14:creationId xmlns:p14="http://schemas.microsoft.com/office/powerpoint/2010/main" val="2037910759"/>
+      </p:ext>
+    </p:extLst>
+  </p:cSld>
+  <p:clrMapOvr>
+    <a:masterClrMapping/>
+  </p:clrMapOvr>
+</p:sld>
+</file>
+
 <file path=ppt/slides/slide3.xml><?xml version="1.0" encoding="utf-8"?>
+<p:sld xmlns:a="http://schemas.openxmlformats.org/drawingml/2006/main" xmlns:r="http://schemas.openxmlformats.org/officeDocument/2006/relationships" xmlns:p="http://schemas.openxmlformats.org/presentationml/2006/main">
+  <p:cSld>
+    <p:spTree>
+      <p:nvGrpSpPr>
+        <p:cNvPr id="1" name=""/>
+        <p:cNvGrpSpPr/>
+        <p:nvPr/>
+      </p:nvGrpSpPr>
+      <p:grpSpPr>
+        <a:xfrm>
+          <a:off x="0" y="0"/>
+          <a:ext cx="0" cy="0"/>
+          <a:chOff x="0" y="0"/>
+          <a:chExt cx="0" cy="0"/>
+        </a:xfrm>
+      </p:grpSpPr>
+    </p:spTree>
+    <p:extLst>
+      <p:ext uri="{BB962C8B-B14F-4D97-AF65-F5344CB8AC3E}">
+        <p14:creationId xmlns:p14="http://schemas.microsoft.com/office/powerpoint/2010/main" val="963363763"/>
+      </p:ext>
+    </p:extLst>
+  </p:cSld>
+  <p:clrMapOvr>
+    <a:masterClrMapping/>
+  </p:clrMapOvr>
+</p:sld>
+</file>
+
+<file path=ppt/slides/slide4.xml><?xml version="1.0" encoding="utf-8"?>
 <p:sld xmlns:a="http://schemas.openxmlformats.org/drawingml/2006/main" xmlns:r="http://schemas.openxmlformats.org/officeDocument/2006/relationships" xmlns:p="http://schemas.openxmlformats.org/presentationml/2006/main">
   <p:cSld>
     <p:spTree>
@@ -2848,7 +2933,7 @@
             <a:lstStyle/>
             <a:p>
               <a:r>
-                <a:rPr lang="en-US" sz="7200" b="1" dirty="0" smtClean="0">
+                <a:rPr lang="en-US" sz="7200" b="1" dirty="0">
                   <a:solidFill>
                     <a:srgbClr val="2E5287"/>
                   </a:solidFill>
@@ -2939,7 +3024,7 @@
             <a:lstStyle/>
             <a:p>
               <a:r>
-                <a:rPr lang="en-US" sz="7200" b="1" dirty="0" smtClean="0">
+                <a:rPr lang="en-US" sz="7200" b="1" dirty="0">
                   <a:solidFill>
                     <a:schemeClr val="bg1"/>
                   </a:solidFill>
@@ -2966,7 +3051,7 @@
 </p:sld>
 </file>
 
-<file path=ppt/slides/slide4.xml><?xml version="1.0" encoding="utf-8"?>
+<file path=ppt/slides/slide5.xml><?xml version="1.0" encoding="utf-8"?>
 <p:sld xmlns:a="http://schemas.openxmlformats.org/drawingml/2006/main" xmlns:r="http://schemas.openxmlformats.org/officeDocument/2006/relationships" xmlns:p="http://schemas.openxmlformats.org/presentationml/2006/main">
   <p:cSld>
     <p:spTree>
@@ -3069,7 +3154,7 @@
             <a:lstStyle/>
             <a:p>
               <a:r>
-                <a:rPr lang="en-US" sz="7200" b="1" dirty="0" smtClean="0">
+                <a:rPr lang="en-US" sz="7200" b="1" dirty="0">
                   <a:solidFill>
                     <a:srgbClr val="8297BC"/>
                   </a:solidFill>
@@ -3105,7 +3190,7 @@
             <a:lstStyle/>
             <a:p>
               <a:r>
-                <a:rPr lang="en-US" sz="7200" b="1" dirty="0" smtClean="0">
+                <a:rPr lang="en-US" sz="7200" b="1" dirty="0">
                   <a:solidFill>
                     <a:srgbClr val="264572"/>
                   </a:solidFill>
